--- a/Diapositives/Diapositive 03-07.pptx
+++ b/Diapositives/Diapositive 03-07.pptx
@@ -269,7 +269,7 @@
           <a:p>
             <a:fld id="{642281CE-38C5-42E5-A5DC-1B136192FA63}" type="datetimeFigureOut">
               <a:rPr lang="fr-FR" smtClean="0"/>
-              <a:t>03/07/2023</a:t>
+              <a:t>05/07/2023</a:t>
             </a:fld>
             <a:endParaRPr lang="fr-FR"/>
           </a:p>
@@ -467,7 +467,7 @@
           <a:p>
             <a:fld id="{642281CE-38C5-42E5-A5DC-1B136192FA63}" type="datetimeFigureOut">
               <a:rPr lang="fr-FR" smtClean="0"/>
-              <a:t>03/07/2023</a:t>
+              <a:t>05/07/2023</a:t>
             </a:fld>
             <a:endParaRPr lang="fr-FR"/>
           </a:p>
@@ -675,7 +675,7 @@
           <a:p>
             <a:fld id="{642281CE-38C5-42E5-A5DC-1B136192FA63}" type="datetimeFigureOut">
               <a:rPr lang="fr-FR" smtClean="0"/>
-              <a:t>03/07/2023</a:t>
+              <a:t>05/07/2023</a:t>
             </a:fld>
             <a:endParaRPr lang="fr-FR"/>
           </a:p>
@@ -873,7 +873,7 @@
           <a:p>
             <a:fld id="{642281CE-38C5-42E5-A5DC-1B136192FA63}" type="datetimeFigureOut">
               <a:rPr lang="fr-FR" smtClean="0"/>
-              <a:t>03/07/2023</a:t>
+              <a:t>05/07/2023</a:t>
             </a:fld>
             <a:endParaRPr lang="fr-FR"/>
           </a:p>
@@ -1148,7 +1148,7 @@
           <a:p>
             <a:fld id="{642281CE-38C5-42E5-A5DC-1B136192FA63}" type="datetimeFigureOut">
               <a:rPr lang="fr-FR" smtClean="0"/>
-              <a:t>03/07/2023</a:t>
+              <a:t>05/07/2023</a:t>
             </a:fld>
             <a:endParaRPr lang="fr-FR"/>
           </a:p>
@@ -1413,7 +1413,7 @@
           <a:p>
             <a:fld id="{642281CE-38C5-42E5-A5DC-1B136192FA63}" type="datetimeFigureOut">
               <a:rPr lang="fr-FR" smtClean="0"/>
-              <a:t>03/07/2023</a:t>
+              <a:t>05/07/2023</a:t>
             </a:fld>
             <a:endParaRPr lang="fr-FR"/>
           </a:p>
@@ -1825,7 +1825,7 @@
           <a:p>
             <a:fld id="{642281CE-38C5-42E5-A5DC-1B136192FA63}" type="datetimeFigureOut">
               <a:rPr lang="fr-FR" smtClean="0"/>
-              <a:t>03/07/2023</a:t>
+              <a:t>05/07/2023</a:t>
             </a:fld>
             <a:endParaRPr lang="fr-FR"/>
           </a:p>
@@ -1966,7 +1966,7 @@
           <a:p>
             <a:fld id="{642281CE-38C5-42E5-A5DC-1B136192FA63}" type="datetimeFigureOut">
               <a:rPr lang="fr-FR" smtClean="0"/>
-              <a:t>03/07/2023</a:t>
+              <a:t>05/07/2023</a:t>
             </a:fld>
             <a:endParaRPr lang="fr-FR"/>
           </a:p>
@@ -2079,7 +2079,7 @@
           <a:p>
             <a:fld id="{642281CE-38C5-42E5-A5DC-1B136192FA63}" type="datetimeFigureOut">
               <a:rPr lang="fr-FR" smtClean="0"/>
-              <a:t>03/07/2023</a:t>
+              <a:t>05/07/2023</a:t>
             </a:fld>
             <a:endParaRPr lang="fr-FR"/>
           </a:p>
@@ -2390,7 +2390,7 @@
           <a:p>
             <a:fld id="{642281CE-38C5-42E5-A5DC-1B136192FA63}" type="datetimeFigureOut">
               <a:rPr lang="fr-FR" smtClean="0"/>
-              <a:t>03/07/2023</a:t>
+              <a:t>05/07/2023</a:t>
             </a:fld>
             <a:endParaRPr lang="fr-FR"/>
           </a:p>
@@ -2678,7 +2678,7 @@
           <a:p>
             <a:fld id="{642281CE-38C5-42E5-A5DC-1B136192FA63}" type="datetimeFigureOut">
               <a:rPr lang="fr-FR" smtClean="0"/>
-              <a:t>03/07/2023</a:t>
+              <a:t>05/07/2023</a:t>
             </a:fld>
             <a:endParaRPr lang="fr-FR"/>
           </a:p>
@@ -2919,7 +2919,7 @@
           <a:p>
             <a:fld id="{642281CE-38C5-42E5-A5DC-1B136192FA63}" type="datetimeFigureOut">
               <a:rPr lang="fr-FR" smtClean="0"/>
-              <a:t>03/07/2023</a:t>
+              <a:t>05/07/2023</a:t>
             </a:fld>
             <a:endParaRPr lang="fr-FR"/>
           </a:p>
@@ -3512,7 +3512,7 @@
           <p:nvPr>
             <p:extLst>
               <p:ext uri="{D42A27DB-BD31-4B8C-83A1-F6EECF244321}">
-                <p14:modId xmlns:p14="http://schemas.microsoft.com/office/powerpoint/2010/main" val="527455215"/>
+                <p14:modId xmlns:p14="http://schemas.microsoft.com/office/powerpoint/2010/main" val="2495276621"/>
               </p:ext>
             </p:extLst>
           </p:nvPr>
@@ -3843,7 +3843,10 @@
                         <a:rPr lang="fr-FR" dirty="0" err="1"/>
                         <a:t>nuclei</a:t>
                       </a:r>
-                      <a:endParaRPr lang="fr-FR" dirty="0"/>
+                      <a:r>
+                        <a:rPr lang="fr-FR" dirty="0"/>
+                        <a:t> </a:t>
+                      </a:r>
                     </a:p>
                     <a:p>
                       <a:r>
@@ -4625,7 +4628,7 @@
         <p:spPr>
           <a:xfrm>
             <a:off x="1371600" y="2637363"/>
-            <a:ext cx="9896168" cy="3416320"/>
+            <a:ext cx="9896168" cy="3970318"/>
           </a:xfrm>
           <a:prstGeom prst="rect">
             <a:avLst/>
@@ -4680,7 +4683,23 @@
             </a:r>
             <a:r>
               <a:rPr lang="fr-FR" sz="3600" b="1" dirty="0"/>
-              <a:t> </a:t>
+              <a:t> (time-</a:t>
+            </a:r>
+            <a:r>
+              <a:rPr lang="fr-FR" sz="3600" b="1" dirty="0" err="1"/>
+              <a:t>consuming</a:t>
+            </a:r>
+            <a:r>
+              <a:rPr lang="fr-FR" sz="3600" b="1" dirty="0"/>
+              <a:t> to </a:t>
+            </a:r>
+            <a:r>
+              <a:rPr lang="fr-FR" sz="3600" b="1" dirty="0" err="1"/>
+              <a:t>implement</a:t>
+            </a:r>
+            <a:r>
+              <a:rPr lang="fr-FR" sz="3600" b="1" dirty="0"/>
+              <a:t>) </a:t>
             </a:r>
             <a:r>
               <a:rPr lang="fr-FR" sz="3600" b="1" dirty="0" err="1"/>
